--- a/01_CM/CM2 Réseaux Informatiques.pptx
+++ b/01_CM/CM2 Réseaux Informatiques.pptx
@@ -245,7 +245,7 @@
           <a:p>
             <a:fld id="{601F3737-FD25-4DA3-9DDE-A31E7FA8A5F0}" type="datetimeFigureOut">
               <a:rPr lang="fr-FR" smtClean="0"/>
-              <a:t>05/02/2023</a:t>
+              <a:t>06/02/2023</a:t>
             </a:fld>
             <a:endParaRPr lang="fr-FR"/>
           </a:p>
@@ -640,6 +640,90 @@
           <a:bodyPr/>
           <a:lstStyle/>
           <a:p>
+            <a:endParaRPr lang="fr-FR" dirty="0"/>
+          </a:p>
+        </p:txBody>
+      </p:sp>
+      <p:sp>
+        <p:nvSpPr>
+          <p:cNvPr id="4" name="Espace réservé du numéro de diapositive 3"/>
+          <p:cNvSpPr>
+            <a:spLocks noGrp="1"/>
+          </p:cNvSpPr>
+          <p:nvPr>
+            <p:ph type="sldNum" sz="quarter" idx="5"/>
+          </p:nvPr>
+        </p:nvSpPr>
+        <p:spPr/>
+        <p:txBody>
+          <a:bodyPr/>
+          <a:lstStyle/>
+          <a:p>
+            <a:fld id="{95BC48CA-3C1F-45E9-AF42-30C003A38B71}" type="slidenum">
+              <a:rPr lang="fr-FR" smtClean="0"/>
+              <a:t>24</a:t>
+            </a:fld>
+            <a:endParaRPr lang="fr-FR"/>
+          </a:p>
+        </p:txBody>
+      </p:sp>
+    </p:spTree>
+    <p:extLst>
+      <p:ext uri="{BB962C8B-B14F-4D97-AF65-F5344CB8AC3E}">
+        <p14:creationId xmlns:p14="http://schemas.microsoft.com/office/powerpoint/2010/main" val="3490359833"/>
+      </p:ext>
+    </p:extLst>
+  </p:cSld>
+  <p:clrMapOvr>
+    <a:masterClrMapping/>
+  </p:clrMapOvr>
+</p:notes>
+</file>
+
+<file path=ppt/notesSlides/notesSlide11.xml><?xml version="1.0" encoding="utf-8"?>
+<p:notes xmlns:a="http://schemas.openxmlformats.org/drawingml/2006/main" xmlns:r="http://schemas.openxmlformats.org/officeDocument/2006/relationships" xmlns:p="http://schemas.openxmlformats.org/presentationml/2006/main">
+  <p:cSld>
+    <p:spTree>
+      <p:nvGrpSpPr>
+        <p:cNvPr id="1" name=""/>
+        <p:cNvGrpSpPr/>
+        <p:nvPr/>
+      </p:nvGrpSpPr>
+      <p:grpSpPr>
+        <a:xfrm>
+          <a:off x="0" y="0"/>
+          <a:ext cx="0" cy="0"/>
+          <a:chOff x="0" y="0"/>
+          <a:chExt cx="0" cy="0"/>
+        </a:xfrm>
+      </p:grpSpPr>
+      <p:sp>
+        <p:nvSpPr>
+          <p:cNvPr id="2" name="Espace réservé de l'image des diapositives 1"/>
+          <p:cNvSpPr>
+            <a:spLocks noGrp="1" noRot="1" noChangeAspect="1"/>
+          </p:cNvSpPr>
+          <p:nvPr>
+            <p:ph type="sldImg"/>
+          </p:nvPr>
+        </p:nvSpPr>
+        <p:spPr/>
+      </p:sp>
+      <p:sp>
+        <p:nvSpPr>
+          <p:cNvPr id="3" name="Espace réservé des notes 2"/>
+          <p:cNvSpPr>
+            <a:spLocks noGrp="1"/>
+          </p:cNvSpPr>
+          <p:nvPr>
+            <p:ph type="body" idx="1"/>
+          </p:nvPr>
+        </p:nvSpPr>
+        <p:spPr/>
+        <p:txBody>
+          <a:bodyPr/>
+          <a:lstStyle/>
+          <a:p>
             <a:r>
               <a:rPr lang="fr-FR" dirty="0"/>
               <a:t>Arp –a</a:t>
@@ -1380,22 +1464,8 @@
           <a:p>
             <a:r>
               <a:rPr lang="fr-FR" dirty="0"/>
-              <a:t>Requête ARP gratuite : Quand un équipement se connecte, il peu envoyer une requête avec sa propre adresse IP pour vérifier que personne n’est présent. De plus, ça met à jour le cache des autres</a:t>
-            </a:r>
-          </a:p>
-          <a:p>
-            <a:r>
-              <a:rPr lang="fr-FR" dirty="0"/>
-              <a:t>ARP </a:t>
-            </a:r>
-            <a:r>
-              <a:rPr lang="fr-FR" dirty="0" err="1"/>
-              <a:t>Poisonning</a:t>
-            </a:r>
-            <a:endParaRPr lang="fr-FR" dirty="0"/>
-          </a:p>
-          <a:p>
-            <a:endParaRPr lang="fr-FR" dirty="0"/>
+              <a:t>Essayer l’analogie Postale</a:t>
+            </a:r>
           </a:p>
         </p:txBody>
       </p:sp>
@@ -1416,7 +1486,7 @@
           <a:p>
             <a:fld id="{95BC48CA-3C1F-45E9-AF42-30C003A38B71}" type="slidenum">
               <a:rPr lang="fr-FR" smtClean="0"/>
-              <a:t>23</a:t>
+              <a:t>19</a:t>
             </a:fld>
             <a:endParaRPr lang="fr-FR"/>
           </a:p>
@@ -1425,7 +1495,7 @@
     </p:spTree>
     <p:extLst>
       <p:ext uri="{BB962C8B-B14F-4D97-AF65-F5344CB8AC3E}">
-        <p14:creationId xmlns:p14="http://schemas.microsoft.com/office/powerpoint/2010/main" val="813517820"/>
+        <p14:creationId xmlns:p14="http://schemas.microsoft.com/office/powerpoint/2010/main" val="4212432271"/>
       </p:ext>
     </p:extLst>
   </p:cSld>
@@ -1479,6 +1549,23 @@
           <a:bodyPr/>
           <a:lstStyle/>
           <a:p>
+            <a:r>
+              <a:rPr lang="fr-FR" dirty="0"/>
+              <a:t>Requête ARP gratuite : Quand un équipement se connecte, il peu envoyer une requête avec sa propre adresse IP pour vérifier que personne n’est présent. De plus, ça met à jour le cache des autres</a:t>
+            </a:r>
+          </a:p>
+          <a:p>
+            <a:r>
+              <a:rPr lang="fr-FR" dirty="0"/>
+              <a:t>ARP </a:t>
+            </a:r>
+            <a:r>
+              <a:rPr lang="fr-FR" dirty="0" err="1"/>
+              <a:t>Poisonning</a:t>
+            </a:r>
+            <a:endParaRPr lang="fr-FR" dirty="0"/>
+          </a:p>
+          <a:p>
             <a:endParaRPr lang="fr-FR" dirty="0"/>
           </a:p>
         </p:txBody>
@@ -1500,7 +1587,7 @@
           <a:p>
             <a:fld id="{95BC48CA-3C1F-45E9-AF42-30C003A38B71}" type="slidenum">
               <a:rPr lang="fr-FR" smtClean="0"/>
-              <a:t>24</a:t>
+              <a:t>23</a:t>
             </a:fld>
             <a:endParaRPr lang="fr-FR"/>
           </a:p>
@@ -1509,7 +1596,7 @@
     </p:spTree>
     <p:extLst>
       <p:ext uri="{BB962C8B-B14F-4D97-AF65-F5344CB8AC3E}">
-        <p14:creationId xmlns:p14="http://schemas.microsoft.com/office/powerpoint/2010/main" val="3490359833"/>
+        <p14:creationId xmlns:p14="http://schemas.microsoft.com/office/powerpoint/2010/main" val="813517820"/>
       </p:ext>
     </p:extLst>
   </p:cSld>
@@ -1666,7 +1753,7 @@
           <a:p>
             <a:fld id="{449235ED-62CB-4048-8D5F-74D492A1C6D7}" type="datetimeFigureOut">
               <a:rPr lang="fr-FR" smtClean="0"/>
-              <a:t>05/02/2023</a:t>
+              <a:t>06/02/2023</a:t>
             </a:fld>
             <a:endParaRPr lang="fr-FR"/>
           </a:p>
@@ -1864,7 +1951,7 @@
           <a:p>
             <a:fld id="{449235ED-62CB-4048-8D5F-74D492A1C6D7}" type="datetimeFigureOut">
               <a:rPr lang="fr-FR" smtClean="0"/>
-              <a:t>05/02/2023</a:t>
+              <a:t>06/02/2023</a:t>
             </a:fld>
             <a:endParaRPr lang="fr-FR"/>
           </a:p>
@@ -2072,7 +2159,7 @@
           <a:p>
             <a:fld id="{449235ED-62CB-4048-8D5F-74D492A1C6D7}" type="datetimeFigureOut">
               <a:rPr lang="fr-FR" smtClean="0"/>
-              <a:t>05/02/2023</a:t>
+              <a:t>06/02/2023</a:t>
             </a:fld>
             <a:endParaRPr lang="fr-FR"/>
           </a:p>
@@ -2270,7 +2357,7 @@
           <a:p>
             <a:fld id="{449235ED-62CB-4048-8D5F-74D492A1C6D7}" type="datetimeFigureOut">
               <a:rPr lang="fr-FR" smtClean="0"/>
-              <a:t>05/02/2023</a:t>
+              <a:t>06/02/2023</a:t>
             </a:fld>
             <a:endParaRPr lang="fr-FR"/>
           </a:p>
@@ -2545,7 +2632,7 @@
           <a:p>
             <a:fld id="{449235ED-62CB-4048-8D5F-74D492A1C6D7}" type="datetimeFigureOut">
               <a:rPr lang="fr-FR" smtClean="0"/>
-              <a:t>05/02/2023</a:t>
+              <a:t>06/02/2023</a:t>
             </a:fld>
             <a:endParaRPr lang="fr-FR"/>
           </a:p>
@@ -2810,7 +2897,7 @@
           <a:p>
             <a:fld id="{449235ED-62CB-4048-8D5F-74D492A1C6D7}" type="datetimeFigureOut">
               <a:rPr lang="fr-FR" smtClean="0"/>
-              <a:t>05/02/2023</a:t>
+              <a:t>06/02/2023</a:t>
             </a:fld>
             <a:endParaRPr lang="fr-FR"/>
           </a:p>
@@ -3222,7 +3309,7 @@
           <a:p>
             <a:fld id="{449235ED-62CB-4048-8D5F-74D492A1C6D7}" type="datetimeFigureOut">
               <a:rPr lang="fr-FR" smtClean="0"/>
-              <a:t>05/02/2023</a:t>
+              <a:t>06/02/2023</a:t>
             </a:fld>
             <a:endParaRPr lang="fr-FR"/>
           </a:p>
@@ -3363,7 +3450,7 @@
           <a:p>
             <a:fld id="{449235ED-62CB-4048-8D5F-74D492A1C6D7}" type="datetimeFigureOut">
               <a:rPr lang="fr-FR" smtClean="0"/>
-              <a:t>05/02/2023</a:t>
+              <a:t>06/02/2023</a:t>
             </a:fld>
             <a:endParaRPr lang="fr-FR"/>
           </a:p>
@@ -3476,7 +3563,7 @@
           <a:p>
             <a:fld id="{449235ED-62CB-4048-8D5F-74D492A1C6D7}" type="datetimeFigureOut">
               <a:rPr lang="fr-FR" smtClean="0"/>
-              <a:t>05/02/2023</a:t>
+              <a:t>06/02/2023</a:t>
             </a:fld>
             <a:endParaRPr lang="fr-FR"/>
           </a:p>
@@ -3787,7 +3874,7 @@
           <a:p>
             <a:fld id="{449235ED-62CB-4048-8D5F-74D492A1C6D7}" type="datetimeFigureOut">
               <a:rPr lang="fr-FR" smtClean="0"/>
-              <a:t>05/02/2023</a:t>
+              <a:t>06/02/2023</a:t>
             </a:fld>
             <a:endParaRPr lang="fr-FR"/>
           </a:p>
@@ -4075,7 +4162,7 @@
           <a:p>
             <a:fld id="{449235ED-62CB-4048-8D5F-74D492A1C6D7}" type="datetimeFigureOut">
               <a:rPr lang="fr-FR" smtClean="0"/>
-              <a:t>05/02/2023</a:t>
+              <a:t>06/02/2023</a:t>
             </a:fld>
             <a:endParaRPr lang="fr-FR"/>
           </a:p>
@@ -4316,7 +4403,7 @@
           <a:p>
             <a:fld id="{449235ED-62CB-4048-8D5F-74D492A1C6D7}" type="datetimeFigureOut">
               <a:rPr lang="fr-FR" smtClean="0"/>
-              <a:t>05/02/2023</a:t>
+              <a:t>06/02/2023</a:t>
             </a:fld>
             <a:endParaRPr lang="fr-FR"/>
           </a:p>
@@ -12612,7 +12699,7 @@
         </p:blipFill>
         <p:spPr>
           <a:xfrm>
-            <a:off x="2639723" y="1825625"/>
+            <a:off x="2667432" y="1825625"/>
             <a:ext cx="6524625" cy="4524375"/>
           </a:xfrm>
           <a:prstGeom prst="rect">
